--- a/Resources/Project – 03.pptx
+++ b/Resources/Project – 03.pptx
@@ -742,6 +742,686 @@
           <a:lstStyle/>
           <a:p>
             <a:r>
+              <a:rPr lang="en-US" dirty="0"/>
+              <a:t>Sources of information included maintenance equipment records, local registers among others. The data came in different formats. </a:t>
+            </a:r>
+          </a:p>
+          <a:p>
+            <a:endParaRPr lang="en-US" dirty="0"/>
+          </a:p>
+          <a:p>
+            <a:pPr marL="0" marR="0" lvl="0" indent="0" algn="l" defTabSz="914400" rtl="0" eaLnBrk="1" fontAlgn="auto" latinLnBrk="0" hangingPunct="1">
+              <a:lnSpc>
+                <a:spcPct val="100000"/>
+              </a:lnSpc>
+              <a:spcBef>
+                <a:spcPts val="0"/>
+              </a:spcBef>
+              <a:spcAft>
+                <a:spcPts val="0"/>
+              </a:spcAft>
+              <a:buClrTx/>
+              <a:buSzTx/>
+              <a:buFontTx/>
+              <a:buNone/>
+              <a:tabLst/>
+              <a:defRPr/>
+            </a:pPr>
+            <a:r>
+              <a:rPr lang="en-US" dirty="0"/>
+              <a:t>Different sources of information were diverse: Local State registers and Maintenance information. The data depicts different services business lines and includes information from the Asia region. Countries include </a:t>
+            </a:r>
+            <a:r>
+              <a:rPr lang="en-AU" b="0" i="0" dirty="0">
+                <a:solidFill>
+                  <a:srgbClr val="D4D4D4"/>
+                </a:solidFill>
+                <a:effectLst/>
+                <a:latin typeface="Consolas" panose="020B0609020204030204" pitchFamily="49" charset="0"/>
+              </a:rPr>
+              <a:t>'China', 'Indonesia', 'Australia', 'Japan', 'New Zealand', 'Papua New Guinea', 'Taiwan, Province Of China'</a:t>
+            </a:r>
+            <a:endParaRPr lang="en-AU" dirty="0"/>
+          </a:p>
+          <a:p>
+            <a:endParaRPr lang="en-AU" dirty="0"/>
+          </a:p>
+        </p:txBody>
+      </p:sp>
+      <p:sp>
+        <p:nvSpPr>
+          <p:cNvPr id="4" name="Slide Number Placeholder 3"/>
+          <p:cNvSpPr>
+            <a:spLocks noGrp="1"/>
+          </p:cNvSpPr>
+          <p:nvPr>
+            <p:ph type="sldNum" sz="quarter" idx="5"/>
+          </p:nvPr>
+        </p:nvSpPr>
+        <p:spPr/>
+        <p:txBody>
+          <a:bodyPr/>
+          <a:lstStyle/>
+          <a:p>
+            <a:fld id="{D4B9A9E5-4F7F-4A7D-9DE1-899232329269}" type="slidenum">
+              <a:rPr lang="en-US" smtClean="0"/>
+              <a:t>6</a:t>
+            </a:fld>
+            <a:endParaRPr lang="en-US" dirty="0"/>
+          </a:p>
+        </p:txBody>
+      </p:sp>
+    </p:spTree>
+    <p:extLst>
+      <p:ext uri="{BB962C8B-B14F-4D97-AF65-F5344CB8AC3E}">
+        <p14:creationId xmlns:p14="http://schemas.microsoft.com/office/powerpoint/2010/main" val="3790441078"/>
+      </p:ext>
+    </p:extLst>
+  </p:cSld>
+  <p:clrMapOvr>
+    <a:masterClrMapping/>
+  </p:clrMapOvr>
+</p:notes>
+</file>
+
+<file path=ppt/notesSlides/notesSlide2.xml><?xml version="1.0" encoding="utf-8"?>
+<p:notes xmlns:a="http://schemas.openxmlformats.org/drawingml/2006/main" xmlns:r="http://schemas.openxmlformats.org/officeDocument/2006/relationships" xmlns:p="http://schemas.openxmlformats.org/presentationml/2006/main">
+  <p:cSld>
+    <p:spTree>
+      <p:nvGrpSpPr>
+        <p:cNvPr id="1" name=""/>
+        <p:cNvGrpSpPr/>
+        <p:nvPr/>
+      </p:nvGrpSpPr>
+      <p:grpSpPr>
+        <a:xfrm>
+          <a:off x="0" y="0"/>
+          <a:ext cx="0" cy="0"/>
+          <a:chOff x="0" y="0"/>
+          <a:chExt cx="0" cy="0"/>
+        </a:xfrm>
+      </p:grpSpPr>
+      <p:sp>
+        <p:nvSpPr>
+          <p:cNvPr id="2" name="Slide Image Placeholder 1"/>
+          <p:cNvSpPr>
+            <a:spLocks noGrp="1" noRot="1" noChangeAspect="1"/>
+          </p:cNvSpPr>
+          <p:nvPr>
+            <p:ph type="sldImg"/>
+          </p:nvPr>
+        </p:nvSpPr>
+        <p:spPr/>
+      </p:sp>
+      <p:sp>
+        <p:nvSpPr>
+          <p:cNvPr id="3" name="Notes Placeholder 2"/>
+          <p:cNvSpPr>
+            <a:spLocks noGrp="1"/>
+          </p:cNvSpPr>
+          <p:nvPr>
+            <p:ph type="body" idx="1"/>
+          </p:nvPr>
+        </p:nvSpPr>
+        <p:spPr/>
+        <p:txBody>
+          <a:bodyPr/>
+          <a:lstStyle/>
+          <a:p>
+            <a:r>
+              <a:rPr lang="en-US" dirty="0"/>
+              <a:t>Different sources of information were diverse: Local State registers and Maintenance information. The data depicts different services business lines and includes information from the Asia region. Countries include </a:t>
+            </a:r>
+            <a:r>
+              <a:rPr lang="en-AU" b="0" i="0" dirty="0">
+                <a:solidFill>
+                  <a:srgbClr val="D4D4D4"/>
+                </a:solidFill>
+                <a:effectLst/>
+                <a:latin typeface="Consolas" panose="020B0609020204030204" pitchFamily="49" charset="0"/>
+              </a:rPr>
+              <a:t>'China', 'Indonesia', 'Australia', 'Japan', 'New Zealand', 'Papua New Guinea', 'Taiwan, Province Of China’.</a:t>
+            </a:r>
+          </a:p>
+          <a:p>
+            <a:endParaRPr lang="en-AU" b="0" i="0" dirty="0">
+              <a:solidFill>
+                <a:srgbClr val="D4D4D4"/>
+              </a:solidFill>
+              <a:effectLst/>
+              <a:latin typeface="Consolas" panose="020B0609020204030204" pitchFamily="49" charset="0"/>
+            </a:endParaRPr>
+          </a:p>
+          <a:p>
+            <a:r>
+              <a:rPr lang="en-AU" b="0" i="0" dirty="0">
+                <a:solidFill>
+                  <a:srgbClr val="D4D4D4"/>
+                </a:solidFill>
+                <a:effectLst/>
+                <a:latin typeface="Consolas" panose="020B0609020204030204" pitchFamily="49" charset="0"/>
+              </a:rPr>
+              <a:t>Data was dealt with and loaded to a SQLite db. Issues around PK were evident </a:t>
+            </a:r>
+            <a:endParaRPr lang="en-AU" dirty="0"/>
+          </a:p>
+        </p:txBody>
+      </p:sp>
+      <p:sp>
+        <p:nvSpPr>
+          <p:cNvPr id="4" name="Slide Number Placeholder 3"/>
+          <p:cNvSpPr>
+            <a:spLocks noGrp="1"/>
+          </p:cNvSpPr>
+          <p:nvPr>
+            <p:ph type="sldNum" sz="quarter" idx="5"/>
+          </p:nvPr>
+        </p:nvSpPr>
+        <p:spPr/>
+        <p:txBody>
+          <a:bodyPr/>
+          <a:lstStyle/>
+          <a:p>
+            <a:fld id="{D4B9A9E5-4F7F-4A7D-9DE1-899232329269}" type="slidenum">
+              <a:rPr lang="en-US" smtClean="0"/>
+              <a:t>7</a:t>
+            </a:fld>
+            <a:endParaRPr lang="en-US" dirty="0"/>
+          </a:p>
+        </p:txBody>
+      </p:sp>
+    </p:spTree>
+    <p:extLst>
+      <p:ext uri="{BB962C8B-B14F-4D97-AF65-F5344CB8AC3E}">
+        <p14:creationId xmlns:p14="http://schemas.microsoft.com/office/powerpoint/2010/main" val="3462814604"/>
+      </p:ext>
+    </p:extLst>
+  </p:cSld>
+  <p:clrMapOvr>
+    <a:masterClrMapping/>
+  </p:clrMapOvr>
+</p:notes>
+</file>
+
+<file path=ppt/notesSlides/notesSlide3.xml><?xml version="1.0" encoding="utf-8"?>
+<p:notes xmlns:a="http://schemas.openxmlformats.org/drawingml/2006/main" xmlns:r="http://schemas.openxmlformats.org/officeDocument/2006/relationships" xmlns:p="http://schemas.openxmlformats.org/presentationml/2006/main">
+  <p:cSld>
+    <p:spTree>
+      <p:nvGrpSpPr>
+        <p:cNvPr id="1" name=""/>
+        <p:cNvGrpSpPr/>
+        <p:nvPr/>
+      </p:nvGrpSpPr>
+      <p:grpSpPr>
+        <a:xfrm>
+          <a:off x="0" y="0"/>
+          <a:ext cx="0" cy="0"/>
+          <a:chOff x="0" y="0"/>
+          <a:chExt cx="0" cy="0"/>
+        </a:xfrm>
+      </p:grpSpPr>
+      <p:sp>
+        <p:nvSpPr>
+          <p:cNvPr id="2" name="Slide Image Placeholder 1"/>
+          <p:cNvSpPr>
+            <a:spLocks noGrp="1" noRot="1" noChangeAspect="1"/>
+          </p:cNvSpPr>
+          <p:nvPr>
+            <p:ph type="sldImg"/>
+          </p:nvPr>
+        </p:nvSpPr>
+        <p:spPr/>
+      </p:sp>
+      <p:sp>
+        <p:nvSpPr>
+          <p:cNvPr id="3" name="Notes Placeholder 2"/>
+          <p:cNvSpPr>
+            <a:spLocks noGrp="1"/>
+          </p:cNvSpPr>
+          <p:nvPr>
+            <p:ph type="body" idx="1"/>
+          </p:nvPr>
+        </p:nvSpPr>
+        <p:spPr/>
+        <p:txBody>
+          <a:bodyPr/>
+          <a:lstStyle/>
+          <a:p>
+            <a:r>
+              <a:rPr lang="en-US" dirty="0"/>
+              <a:t>The variables that were selected to understand the </a:t>
+            </a:r>
+            <a:r>
+              <a:rPr lang="en-US" dirty="0" err="1"/>
+              <a:t>behaviour</a:t>
+            </a:r>
+            <a:r>
+              <a:rPr lang="en-US" dirty="0"/>
+              <a:t> where the R/A </a:t>
+            </a:r>
+            <a:r>
+              <a:rPr lang="en-US" dirty="0" err="1"/>
+              <a:t>Measuement</a:t>
+            </a:r>
+            <a:r>
+              <a:rPr lang="en-US" dirty="0"/>
+              <a:t> equipment Calibration Records, R/A Source Leak Test Records and Photo inventories. The data was queried from the SQLite database and sent via JSON through an Flask API. JavaScript was then used to handle the data to match the requirements of the libraries used for visualization.</a:t>
+            </a:r>
+          </a:p>
+          <a:p>
+            <a:endParaRPr lang="en-US" dirty="0"/>
+          </a:p>
+          <a:p>
+            <a:r>
+              <a:rPr lang="en-US" dirty="0"/>
+              <a:t>For the project </a:t>
+            </a:r>
+            <a:r>
+              <a:rPr lang="en-US" dirty="0" err="1"/>
+              <a:t>Highcharts</a:t>
+            </a:r>
+            <a:r>
+              <a:rPr lang="en-US" dirty="0"/>
+              <a:t> JS and Leaflet Libraries were used for the visualizations.</a:t>
+            </a:r>
+            <a:endParaRPr lang="en-AU" dirty="0"/>
+          </a:p>
+        </p:txBody>
+      </p:sp>
+      <p:sp>
+        <p:nvSpPr>
+          <p:cNvPr id="4" name="Slide Number Placeholder 3"/>
+          <p:cNvSpPr>
+            <a:spLocks noGrp="1"/>
+          </p:cNvSpPr>
+          <p:nvPr>
+            <p:ph type="sldNum" sz="quarter" idx="5"/>
+          </p:nvPr>
+        </p:nvSpPr>
+        <p:spPr/>
+        <p:txBody>
+          <a:bodyPr/>
+          <a:lstStyle/>
+          <a:p>
+            <a:fld id="{D4B9A9E5-4F7F-4A7D-9DE1-899232329269}" type="slidenum">
+              <a:rPr lang="en-US" smtClean="0"/>
+              <a:t>8</a:t>
+            </a:fld>
+            <a:endParaRPr lang="en-US" dirty="0"/>
+          </a:p>
+        </p:txBody>
+      </p:sp>
+    </p:spTree>
+    <p:extLst>
+      <p:ext uri="{BB962C8B-B14F-4D97-AF65-F5344CB8AC3E}">
+        <p14:creationId xmlns:p14="http://schemas.microsoft.com/office/powerpoint/2010/main" val="974492263"/>
+      </p:ext>
+    </p:extLst>
+  </p:cSld>
+  <p:clrMapOvr>
+    <a:masterClrMapping/>
+  </p:clrMapOvr>
+</p:notes>
+</file>
+
+<file path=ppt/notesSlides/notesSlide4.xml><?xml version="1.0" encoding="utf-8"?>
+<p:notes xmlns:a="http://schemas.openxmlformats.org/drawingml/2006/main" xmlns:r="http://schemas.openxmlformats.org/officeDocument/2006/relationships" xmlns:p="http://schemas.openxmlformats.org/presentationml/2006/main">
+  <p:cSld>
+    <p:spTree>
+      <p:nvGrpSpPr>
+        <p:cNvPr id="1" name=""/>
+        <p:cNvGrpSpPr/>
+        <p:nvPr/>
+      </p:nvGrpSpPr>
+      <p:grpSpPr>
+        <a:xfrm>
+          <a:off x="0" y="0"/>
+          <a:ext cx="0" cy="0"/>
+          <a:chOff x="0" y="0"/>
+          <a:chExt cx="0" cy="0"/>
+        </a:xfrm>
+      </p:grpSpPr>
+      <p:sp>
+        <p:nvSpPr>
+          <p:cNvPr id="2" name="Slide Image Placeholder 1"/>
+          <p:cNvSpPr>
+            <a:spLocks noGrp="1" noRot="1" noChangeAspect="1"/>
+          </p:cNvSpPr>
+          <p:nvPr>
+            <p:ph type="sldImg"/>
+          </p:nvPr>
+        </p:nvSpPr>
+        <p:spPr/>
+      </p:sp>
+      <p:sp>
+        <p:nvSpPr>
+          <p:cNvPr id="3" name="Notes Placeholder 2"/>
+          <p:cNvSpPr>
+            <a:spLocks noGrp="1"/>
+          </p:cNvSpPr>
+          <p:nvPr>
+            <p:ph type="body" idx="1"/>
+          </p:nvPr>
+        </p:nvSpPr>
+        <p:spPr/>
+        <p:txBody>
+          <a:bodyPr/>
+          <a:lstStyle/>
+          <a:p>
+            <a:r>
+              <a:rPr lang="en-US" dirty="0"/>
+              <a:t>For the 3 types compliance, equipment was registered as Compliant, Action needed (where the time to expire is within a month), Critical ( within a week) or Non compliant. One of the visualizations plotted the compliance by location. </a:t>
+            </a:r>
+            <a:endParaRPr lang="en-AU" dirty="0"/>
+          </a:p>
+        </p:txBody>
+      </p:sp>
+      <p:sp>
+        <p:nvSpPr>
+          <p:cNvPr id="4" name="Slide Number Placeholder 3"/>
+          <p:cNvSpPr>
+            <a:spLocks noGrp="1"/>
+          </p:cNvSpPr>
+          <p:nvPr>
+            <p:ph type="sldNum" sz="quarter" idx="5"/>
+          </p:nvPr>
+        </p:nvSpPr>
+        <p:spPr/>
+        <p:txBody>
+          <a:bodyPr/>
+          <a:lstStyle/>
+          <a:p>
+            <a:fld id="{D4B9A9E5-4F7F-4A7D-9DE1-899232329269}" type="slidenum">
+              <a:rPr lang="en-US" smtClean="0"/>
+              <a:t>9</a:t>
+            </a:fld>
+            <a:endParaRPr lang="en-US" dirty="0"/>
+          </a:p>
+        </p:txBody>
+      </p:sp>
+    </p:spTree>
+    <p:extLst>
+      <p:ext uri="{BB962C8B-B14F-4D97-AF65-F5344CB8AC3E}">
+        <p14:creationId xmlns:p14="http://schemas.microsoft.com/office/powerpoint/2010/main" val="3627312950"/>
+      </p:ext>
+    </p:extLst>
+  </p:cSld>
+  <p:clrMapOvr>
+    <a:masterClrMapping/>
+  </p:clrMapOvr>
+</p:notes>
+</file>
+
+<file path=ppt/notesSlides/notesSlide5.xml><?xml version="1.0" encoding="utf-8"?>
+<p:notes xmlns:a="http://schemas.openxmlformats.org/drawingml/2006/main" xmlns:r="http://schemas.openxmlformats.org/officeDocument/2006/relationships" xmlns:p="http://schemas.openxmlformats.org/presentationml/2006/main">
+  <p:cSld>
+    <p:spTree>
+      <p:nvGrpSpPr>
+        <p:cNvPr id="1" name=""/>
+        <p:cNvGrpSpPr/>
+        <p:nvPr/>
+      </p:nvGrpSpPr>
+      <p:grpSpPr>
+        <a:xfrm>
+          <a:off x="0" y="0"/>
+          <a:ext cx="0" cy="0"/>
+          <a:chOff x="0" y="0"/>
+          <a:chExt cx="0" cy="0"/>
+        </a:xfrm>
+      </p:grpSpPr>
+      <p:sp>
+        <p:nvSpPr>
+          <p:cNvPr id="2" name="Slide Image Placeholder 1"/>
+          <p:cNvSpPr>
+            <a:spLocks noGrp="1" noRot="1" noChangeAspect="1"/>
+          </p:cNvSpPr>
+          <p:nvPr>
+            <p:ph type="sldImg"/>
+          </p:nvPr>
+        </p:nvSpPr>
+        <p:spPr/>
+      </p:sp>
+      <p:sp>
+        <p:nvSpPr>
+          <p:cNvPr id="3" name="Notes Placeholder 2"/>
+          <p:cNvSpPr>
+            <a:spLocks noGrp="1"/>
+          </p:cNvSpPr>
+          <p:nvPr>
+            <p:ph type="body" idx="1"/>
+          </p:nvPr>
+        </p:nvSpPr>
+        <p:spPr/>
+        <p:txBody>
+          <a:bodyPr/>
+          <a:lstStyle/>
+          <a:p>
+            <a:r>
+              <a:rPr lang="en-US" dirty="0"/>
+              <a:t>In one location, more than one product line can be present. For this reason a drill down visualization was added to check to see whether there were differences between product lines. This chart also presents the data for the 3 types of compliance.</a:t>
+            </a:r>
+            <a:endParaRPr lang="en-AU" dirty="0"/>
+          </a:p>
+        </p:txBody>
+      </p:sp>
+      <p:sp>
+        <p:nvSpPr>
+          <p:cNvPr id="4" name="Slide Number Placeholder 3"/>
+          <p:cNvSpPr>
+            <a:spLocks noGrp="1"/>
+          </p:cNvSpPr>
+          <p:nvPr>
+            <p:ph type="sldNum" sz="quarter" idx="5"/>
+          </p:nvPr>
+        </p:nvSpPr>
+        <p:spPr/>
+        <p:txBody>
+          <a:bodyPr/>
+          <a:lstStyle/>
+          <a:p>
+            <a:fld id="{D4B9A9E5-4F7F-4A7D-9DE1-899232329269}" type="slidenum">
+              <a:rPr lang="en-US" smtClean="0"/>
+              <a:t>10</a:t>
+            </a:fld>
+            <a:endParaRPr lang="en-US" dirty="0"/>
+          </a:p>
+        </p:txBody>
+      </p:sp>
+    </p:spTree>
+    <p:extLst>
+      <p:ext uri="{BB962C8B-B14F-4D97-AF65-F5344CB8AC3E}">
+        <p14:creationId xmlns:p14="http://schemas.microsoft.com/office/powerpoint/2010/main" val="1069016802"/>
+      </p:ext>
+    </p:extLst>
+  </p:cSld>
+  <p:clrMapOvr>
+    <a:masterClrMapping/>
+  </p:clrMapOvr>
+</p:notes>
+</file>
+
+<file path=ppt/notesSlides/notesSlide6.xml><?xml version="1.0" encoding="utf-8"?>
+<p:notes xmlns:a="http://schemas.openxmlformats.org/drawingml/2006/main" xmlns:r="http://schemas.openxmlformats.org/officeDocument/2006/relationships" xmlns:p="http://schemas.openxmlformats.org/presentationml/2006/main">
+  <p:cSld>
+    <p:spTree>
+      <p:nvGrpSpPr>
+        <p:cNvPr id="1" name=""/>
+        <p:cNvGrpSpPr/>
+        <p:nvPr/>
+      </p:nvGrpSpPr>
+      <p:grpSpPr>
+        <a:xfrm>
+          <a:off x="0" y="0"/>
+          <a:ext cx="0" cy="0"/>
+          <a:chOff x="0" y="0"/>
+          <a:chExt cx="0" cy="0"/>
+        </a:xfrm>
+      </p:grpSpPr>
+      <p:sp>
+        <p:nvSpPr>
+          <p:cNvPr id="2" name="Slide Image Placeholder 1"/>
+          <p:cNvSpPr>
+            <a:spLocks noGrp="1" noRot="1" noChangeAspect="1"/>
+          </p:cNvSpPr>
+          <p:nvPr>
+            <p:ph type="sldImg"/>
+          </p:nvPr>
+        </p:nvSpPr>
+        <p:spPr/>
+      </p:sp>
+      <p:sp>
+        <p:nvSpPr>
+          <p:cNvPr id="3" name="Notes Placeholder 2"/>
+          <p:cNvSpPr>
+            <a:spLocks noGrp="1"/>
+          </p:cNvSpPr>
+          <p:nvPr>
+            <p:ph type="body" idx="1"/>
+          </p:nvPr>
+        </p:nvSpPr>
+        <p:spPr/>
+        <p:txBody>
+          <a:bodyPr/>
+          <a:lstStyle/>
+          <a:p>
+            <a:r>
+              <a:rPr lang="en-US" dirty="0"/>
+              <a:t>Point clustering was used to visualize the data geographically. Each point presents the relevant summary</a:t>
+            </a:r>
+            <a:endParaRPr lang="en-AU" dirty="0"/>
+          </a:p>
+        </p:txBody>
+      </p:sp>
+      <p:sp>
+        <p:nvSpPr>
+          <p:cNvPr id="4" name="Slide Number Placeholder 3"/>
+          <p:cNvSpPr>
+            <a:spLocks noGrp="1"/>
+          </p:cNvSpPr>
+          <p:nvPr>
+            <p:ph type="sldNum" sz="quarter" idx="5"/>
+          </p:nvPr>
+        </p:nvSpPr>
+        <p:spPr/>
+        <p:txBody>
+          <a:bodyPr/>
+          <a:lstStyle/>
+          <a:p>
+            <a:fld id="{D4B9A9E5-4F7F-4A7D-9DE1-899232329269}" type="slidenum">
+              <a:rPr lang="en-US" smtClean="0"/>
+              <a:t>11</a:t>
+            </a:fld>
+            <a:endParaRPr lang="en-US" dirty="0"/>
+          </a:p>
+        </p:txBody>
+      </p:sp>
+    </p:spTree>
+    <p:extLst>
+      <p:ext uri="{BB962C8B-B14F-4D97-AF65-F5344CB8AC3E}">
+        <p14:creationId xmlns:p14="http://schemas.microsoft.com/office/powerpoint/2010/main" val="2210284251"/>
+      </p:ext>
+    </p:extLst>
+  </p:cSld>
+  <p:clrMapOvr>
+    <a:masterClrMapping/>
+  </p:clrMapOvr>
+</p:notes>
+</file>
+
+<file path=ppt/notesSlides/notesSlide7.xml><?xml version="1.0" encoding="utf-8"?>
+<p:notes xmlns:a="http://schemas.openxmlformats.org/drawingml/2006/main" xmlns:r="http://schemas.openxmlformats.org/officeDocument/2006/relationships" xmlns:p="http://schemas.openxmlformats.org/presentationml/2006/main">
+  <p:cSld>
+    <p:spTree>
+      <p:nvGrpSpPr>
+        <p:cNvPr id="1" name=""/>
+        <p:cNvGrpSpPr/>
+        <p:nvPr/>
+      </p:nvGrpSpPr>
+      <p:grpSpPr>
+        <a:xfrm>
+          <a:off x="0" y="0"/>
+          <a:ext cx="0" cy="0"/>
+          <a:chOff x="0" y="0"/>
+          <a:chExt cx="0" cy="0"/>
+        </a:xfrm>
+      </p:grpSpPr>
+      <p:sp>
+        <p:nvSpPr>
+          <p:cNvPr id="2" name="Slide Image Placeholder 1"/>
+          <p:cNvSpPr>
+            <a:spLocks noGrp="1" noRot="1" noChangeAspect="1"/>
+          </p:cNvSpPr>
+          <p:nvPr>
+            <p:ph type="sldImg"/>
+          </p:nvPr>
+        </p:nvSpPr>
+        <p:spPr/>
+      </p:sp>
+      <p:sp>
+        <p:nvSpPr>
+          <p:cNvPr id="3" name="Notes Placeholder 2"/>
+          <p:cNvSpPr>
+            <a:spLocks noGrp="1"/>
+          </p:cNvSpPr>
+          <p:nvPr>
+            <p:ph type="body" idx="1"/>
+          </p:nvPr>
+        </p:nvSpPr>
+        <p:spPr/>
+        <p:txBody>
+          <a:bodyPr/>
+          <a:lstStyle/>
+          <a:p>
+            <a:r>
+              <a:rPr lang="en-AU" sz="1200" b="0" i="0" u="none" strike="noStrike" kern="1200" dirty="0">
+                <a:solidFill>
+                  <a:schemeClr val="tx1"/>
+                </a:solidFill>
+                <a:effectLst/>
+                <a:latin typeface="+mn-lt"/>
+                <a:ea typeface="+mn-ea"/>
+                <a:cs typeface="+mn-cs"/>
+              </a:rPr>
+              <a:t>Visually the Photo compliance is higher followed by Leak test. </a:t>
+            </a:r>
+            <a:r>
+              <a:rPr lang="en-AU" sz="1200" b="0" i="0" u="none" strike="noStrike" kern="1200" dirty="0" err="1">
+                <a:solidFill>
+                  <a:schemeClr val="tx1"/>
+                </a:solidFill>
+                <a:effectLst/>
+                <a:latin typeface="+mn-lt"/>
+                <a:ea typeface="+mn-ea"/>
+                <a:cs typeface="+mn-cs"/>
+              </a:rPr>
+              <a:t>Calibrationequipment</a:t>
+            </a:r>
+            <a:r>
+              <a:rPr lang="en-AU" sz="1200" b="0" i="0" u="none" strike="noStrike" kern="1200" dirty="0">
+                <a:solidFill>
+                  <a:schemeClr val="tx1"/>
+                </a:solidFill>
+                <a:effectLst/>
+                <a:latin typeface="+mn-lt"/>
+                <a:ea typeface="+mn-ea"/>
+                <a:cs typeface="+mn-cs"/>
+              </a:rPr>
+              <a:t> had the least compliance</a:t>
+            </a:r>
+          </a:p>
+          <a:p>
+            <a:endParaRPr lang="en-AU" sz="1200" b="0" i="0" u="none" strike="noStrike" kern="1200" dirty="0">
+              <a:solidFill>
+                <a:schemeClr val="tx1"/>
+              </a:solidFill>
+              <a:effectLst/>
+              <a:latin typeface="+mn-lt"/>
+              <a:ea typeface="+mn-ea"/>
+              <a:cs typeface="+mn-cs"/>
+            </a:endParaRPr>
+          </a:p>
+          <a:p>
+            <a:r>
               <a:rPr lang="en-AU" sz="1200" b="0" i="0" u="none" strike="noStrike" kern="1200" dirty="0" err="1">
                 <a:solidFill>
                   <a:schemeClr val="tx1"/>
@@ -755,15 +1435,11 @@
             </a:r>
             <a:r>
               <a:rPr lang="en-AU" dirty="0"/>
-              <a:t> </a:t>
-            </a:r>
-            <a:r>
-              <a:rPr lang="en-AU" dirty="0" err="1"/>
-              <a:t>Criticla</a:t>
+              <a:t> Critical</a:t>
             </a:r>
             <a:r>
               <a:rPr lang="en-AU" baseline="0" dirty="0"/>
-              <a:t> / Action Needd</a:t>
+              <a:t> / Action Needed </a:t>
             </a:r>
             <a:r>
               <a:rPr lang="en-AU" sz="1200" b="0" i="0" u="none" strike="noStrike" kern="1200" dirty="0">
@@ -1073,7 +1749,7 @@
 </p:notes>
 </file>
 
-<file path=ppt/notesSlides/notesSlide2.xml><?xml version="1.0" encoding="utf-8"?>
+<file path=ppt/notesSlides/notesSlide8.xml><?xml version="1.0" encoding="utf-8"?>
 <p:notes xmlns:a="http://schemas.openxmlformats.org/drawingml/2006/main" xmlns:r="http://schemas.openxmlformats.org/officeDocument/2006/relationships" xmlns:p="http://schemas.openxmlformats.org/presentationml/2006/main">
   <p:cSld>
     <p:spTree>
@@ -16698,7 +17374,7 @@
           <p:nvPr/>
         </p:nvPicPr>
         <p:blipFill>
-          <a:blip r:embed="rId2"/>
+          <a:blip r:embed="rId3"/>
           <a:stretch>
             <a:fillRect/>
           </a:stretch>
@@ -16776,7 +17452,7 @@
           <p:nvPr/>
         </p:nvPicPr>
         <p:blipFill>
-          <a:blip r:embed="rId3"/>
+          <a:blip r:embed="rId4"/>
           <a:stretch>
             <a:fillRect/>
           </a:stretch>
@@ -16806,7 +17482,7 @@
           <p:nvPr/>
         </p:nvPicPr>
         <p:blipFill>
-          <a:blip r:embed="rId4"/>
+          <a:blip r:embed="rId5"/>
           <a:stretch>
             <a:fillRect/>
           </a:stretch>
@@ -17258,7 +17934,7 @@
           <p:nvPr/>
         </p:nvPicPr>
         <p:blipFill>
-          <a:blip r:embed="rId5"/>
+          <a:blip r:embed="rId6"/>
           <a:stretch>
             <a:fillRect/>
           </a:stretch>
@@ -17710,7 +18386,7 @@
           <p:nvPr/>
         </p:nvPicPr>
         <p:blipFill>
-          <a:blip r:embed="rId2"/>
+          <a:blip r:embed="rId3"/>
           <a:stretch>
             <a:fillRect/>
           </a:stretch>
@@ -17740,7 +18416,7 @@
           <p:nvPr/>
         </p:nvPicPr>
         <p:blipFill>
-          <a:blip r:embed="rId3"/>
+          <a:blip r:embed="rId4"/>
           <a:stretch>
             <a:fillRect/>
           </a:stretch>
@@ -18421,7 +19097,7 @@
             </a:pPr>
             <a:r>
               <a:rPr lang="en-ZA" sz="1600" dirty="0"/>
-              <a:t>Leak test compliance is around 70% for the region</a:t>
+              <a:t>Leak test compliance is around 70% for the Asia region</a:t>
             </a:r>
           </a:p>
           <a:p>
@@ -18431,7 +19107,7 @@
             </a:pPr>
             <a:r>
               <a:rPr lang="en-ZA" sz="1600" dirty="0"/>
-              <a:t>Calibration equipment compliance is low, around 15% for the region</a:t>
+              <a:t>Calibration equipment compliance is low, around 15% for the whole region</a:t>
             </a:r>
           </a:p>
           <a:p>
@@ -24958,7 +25634,7 @@
           <p:nvPr/>
         </p:nvPicPr>
         <p:blipFill>
-          <a:blip r:embed="rId2"/>
+          <a:blip r:embed="rId3"/>
           <a:stretch>
             <a:fillRect/>
           </a:stretch>
@@ -25018,7 +25694,7 @@
           <p:nvPr/>
         </p:nvPicPr>
         <p:blipFill rotWithShape="1">
-          <a:blip r:embed="rId2"/>
+          <a:blip r:embed="rId3"/>
           <a:srcRect r="30897" b="21254"/>
           <a:stretch/>
         </p:blipFill>
@@ -25445,7 +26121,7 @@
           <p:nvPr/>
         </p:nvPicPr>
         <p:blipFill>
-          <a:blip r:embed="rId3"/>
+          <a:blip r:embed="rId4"/>
           <a:stretch>
             <a:fillRect/>
           </a:stretch>
@@ -25715,7 +26391,7 @@
             <p:nvPr/>
           </p:nvPicPr>
           <p:blipFill>
-            <a:blip r:embed="rId2"/>
+            <a:blip r:embed="rId3"/>
             <a:stretch>
               <a:fillRect/>
             </a:stretch>
@@ -25912,36 +26588,6 @@
           <p:nvPr/>
         </p:nvPicPr>
         <p:blipFill>
-          <a:blip r:embed="rId3"/>
-          <a:stretch>
-            <a:fillRect/>
-          </a:stretch>
-        </p:blipFill>
-        <p:spPr>
-          <a:xfrm>
-            <a:off x="7024844" y="374949"/>
-            <a:ext cx="5069337" cy="2125250"/>
-          </a:xfrm>
-          <a:prstGeom prst="rect">
-            <a:avLst/>
-          </a:prstGeom>
-        </p:spPr>
-      </p:pic>
-      <p:pic>
-        <p:nvPicPr>
-          <p:cNvPr id="17" name="Picture 16">
-            <a:extLst>
-              <a:ext uri="{FF2B5EF4-FFF2-40B4-BE49-F238E27FC236}">
-                <a16:creationId xmlns:a16="http://schemas.microsoft.com/office/drawing/2014/main" id="{744820E9-5D40-4031-4324-67F6EF06E2C3}"/>
-              </a:ext>
-            </a:extLst>
-          </p:cNvPr>
-          <p:cNvPicPr>
-            <a:picLocks noChangeAspect="1"/>
-          </p:cNvPicPr>
-          <p:nvPr/>
-        </p:nvPicPr>
-        <p:blipFill>
           <a:blip r:embed="rId4"/>
           <a:stretch>
             <a:fillRect/>
@@ -25949,8 +26595,8 @@
         </p:blipFill>
         <p:spPr>
           <a:xfrm>
-            <a:off x="3676605" y="1837180"/>
-            <a:ext cx="3034933" cy="2821205"/>
+            <a:off x="7024844" y="374949"/>
+            <a:ext cx="5069337" cy="2125250"/>
           </a:xfrm>
           <a:prstGeom prst="rect">
             <a:avLst/>
@@ -25959,10 +26605,10 @@
       </p:pic>
       <p:pic>
         <p:nvPicPr>
-          <p:cNvPr id="19" name="Picture 18">
-            <a:extLst>
-              <a:ext uri="{FF2B5EF4-FFF2-40B4-BE49-F238E27FC236}">
-                <a16:creationId xmlns:a16="http://schemas.microsoft.com/office/drawing/2014/main" id="{EEF08DE9-3989-23E4-4402-DE35EBF8BB07}"/>
+          <p:cNvPr id="17" name="Picture 16">
+            <a:extLst>
+              <a:ext uri="{FF2B5EF4-FFF2-40B4-BE49-F238E27FC236}">
+                <a16:creationId xmlns:a16="http://schemas.microsoft.com/office/drawing/2014/main" id="{744820E9-5D40-4031-4324-67F6EF06E2C3}"/>
               </a:ext>
             </a:extLst>
           </p:cNvPr>
@@ -25973,6 +26619,36 @@
         </p:nvPicPr>
         <p:blipFill>
           <a:blip r:embed="rId5"/>
+          <a:stretch>
+            <a:fillRect/>
+          </a:stretch>
+        </p:blipFill>
+        <p:spPr>
+          <a:xfrm>
+            <a:off x="3676605" y="1837180"/>
+            <a:ext cx="3034933" cy="2821205"/>
+          </a:xfrm>
+          <a:prstGeom prst="rect">
+            <a:avLst/>
+          </a:prstGeom>
+        </p:spPr>
+      </p:pic>
+      <p:pic>
+        <p:nvPicPr>
+          <p:cNvPr id="19" name="Picture 18">
+            <a:extLst>
+              <a:ext uri="{FF2B5EF4-FFF2-40B4-BE49-F238E27FC236}">
+                <a16:creationId xmlns:a16="http://schemas.microsoft.com/office/drawing/2014/main" id="{EEF08DE9-3989-23E4-4402-DE35EBF8BB07}"/>
+              </a:ext>
+            </a:extLst>
+          </p:cNvPr>
+          <p:cNvPicPr>
+            <a:picLocks noChangeAspect="1"/>
+          </p:cNvPicPr>
+          <p:nvPr/>
+        </p:nvPicPr>
+        <p:blipFill>
+          <a:blip r:embed="rId6"/>
           <a:stretch>
             <a:fillRect/>
           </a:stretch>
@@ -26488,7 +27164,7 @@
           <p:nvPr/>
         </p:nvPicPr>
         <p:blipFill>
-          <a:blip r:embed="rId2"/>
+          <a:blip r:embed="rId3"/>
           <a:stretch>
             <a:fillRect/>
           </a:stretch>
@@ -26518,7 +27194,7 @@
           <p:nvPr/>
         </p:nvPicPr>
         <p:blipFill>
-          <a:blip r:embed="rId3"/>
+          <a:blip r:embed="rId4"/>
           <a:stretch>
             <a:fillRect/>
           </a:stretch>
@@ -26788,7 +27464,7 @@
           <p:nvPr/>
         </p:nvPicPr>
         <p:blipFill>
-          <a:blip r:embed="rId4"/>
+          <a:blip r:embed="rId5"/>
           <a:stretch>
             <a:fillRect/>
           </a:stretch>
@@ -27608,34 +28284,6 @@
 </file>
 
 <file path=customXml/item1.xml><?xml version="1.0" encoding="utf-8"?>
-<p:properties xmlns:p="http://schemas.microsoft.com/office/2006/metadata/properties" xmlns:xsi="http://www.w3.org/2001/XMLSchema-instance" xmlns:pc="http://schemas.microsoft.com/office/infopath/2007/PartnerControls">
-  <documentManagement>
-    <_ip_UnifiedCompliancePolicyUIAction xmlns="http://schemas.microsoft.com/sharepoint/v3" xsi:nil="true"/>
-    <Image xmlns="71af3243-3dd4-4a8d-8c0d-dd76da1f02a5">
-      <Url xsi:nil="true"/>
-      <Description xsi:nil="true"/>
-    </Image>
-    <Status xmlns="71af3243-3dd4-4a8d-8c0d-dd76da1f02a5">Not started</Status>
-    <_ip_UnifiedCompliancePolicyProperties xmlns="http://schemas.microsoft.com/sharepoint/v3" xsi:nil="true"/>
-    <ImageTagsTaxHTField xmlns="71af3243-3dd4-4a8d-8c0d-dd76da1f02a5">
-      <Terms xmlns="http://schemas.microsoft.com/office/infopath/2007/PartnerControls"/>
-    </ImageTagsTaxHTField>
-    <TaxCatchAll xmlns="230e9df3-be65-4c73-a93b-d1236ebd677e"/>
-    <MediaServiceKeyPoints xmlns="71af3243-3dd4-4a8d-8c0d-dd76da1f02a5" xsi:nil="true"/>
-  </documentManagement>
-</p:properties>
-</file>
-
-<file path=customXml/item2.xml><?xml version="1.0" encoding="utf-8"?>
-<?mso-contentType ?>
-<FormTemplates xmlns="http://schemas.microsoft.com/sharepoint/v3/contenttype/forms">
-  <Display>DocumentLibraryForm</Display>
-  <Edit>DocumentLibraryForm</Edit>
-  <New>DocumentLibraryForm</New>
-</FormTemplates>
-</file>
-
-<file path=customXml/item3.xml><?xml version="1.0" encoding="utf-8"?>
 <ct:contentTypeSchema xmlns:ct="http://schemas.microsoft.com/office/2006/metadata/contentType" xmlns:ma="http://schemas.microsoft.com/office/2006/metadata/properties/metaAttributes" ct:_="" ma:_="" ma:contentTypeName="Document" ma:contentTypeID="0x01010079F111ED35F8CC479449609E8A0923A6" ma:contentTypeVersion="20" ma:contentTypeDescription="Create a new document." ma:contentTypeScope="" ma:versionID="1267097ee5f5874adfcc408041ae252e">
   <xsd:schema xmlns:xsd="http://www.w3.org/2001/XMLSchema" xmlns:xs="http://www.w3.org/2001/XMLSchema" xmlns:p="http://schemas.microsoft.com/office/2006/metadata/properties" xmlns:ns1="http://schemas.microsoft.com/sharepoint/v3" xmlns:ns2="71af3243-3dd4-4a8d-8c0d-dd76da1f02a5" xmlns:ns3="16c05727-aa75-4e4a-9b5f-8a80a1165891" xmlns:ns4="230e9df3-be65-4c73-a93b-d1236ebd677e" targetNamespace="http://schemas.microsoft.com/office/2006/metadata/properties" ma:root="true" ma:fieldsID="395891a93df65b14727750f2c06c306c" ns1:_="" ns2:_="" ns3:_="" ns4:_="">
     <xsd:import namespace="http://schemas.microsoft.com/sharepoint/v3"/>
@@ -27911,27 +28559,35 @@
 </ct:contentTypeSchema>
 </file>
 
-<file path=customXml/itemProps1.xml><?xml version="1.0" encoding="utf-8"?>
-<ds:datastoreItem xmlns:ds="http://schemas.openxmlformats.org/officeDocument/2006/customXml" ds:itemID="{B5BA3906-9696-4247-AC0D-DD5C26B2A70A}">
-  <ds:schemaRefs>
-    <ds:schemaRef ds:uri="http://schemas.microsoft.com/office/2006/metadata/properties"/>
-    <ds:schemaRef ds:uri="http://schemas.microsoft.com/office/infopath/2007/PartnerControls"/>
-    <ds:schemaRef ds:uri="http://schemas.microsoft.com/sharepoint/v3"/>
-    <ds:schemaRef ds:uri="71af3243-3dd4-4a8d-8c0d-dd76da1f02a5"/>
-    <ds:schemaRef ds:uri="230e9df3-be65-4c73-a93b-d1236ebd677e"/>
-  </ds:schemaRefs>
-</ds:datastoreItem>
+<file path=customXml/item2.xml><?xml version="1.0" encoding="utf-8"?>
+<?mso-contentType ?>
+<FormTemplates xmlns="http://schemas.microsoft.com/sharepoint/v3/contenttype/forms">
+  <Display>DocumentLibraryForm</Display>
+  <Edit>DocumentLibraryForm</Edit>
+  <New>DocumentLibraryForm</New>
+</FormTemplates>
 </file>
 
-<file path=customXml/itemProps2.xml><?xml version="1.0" encoding="utf-8"?>
-<ds:datastoreItem xmlns:ds="http://schemas.openxmlformats.org/officeDocument/2006/customXml" ds:itemID="{2D446390-8521-40A2-A462-EA068123BED9}">
-  <ds:schemaRefs>
-    <ds:schemaRef ds:uri="http://schemas.microsoft.com/sharepoint/v3/contenttype/forms"/>
-  </ds:schemaRefs>
-</ds:datastoreItem>
+<file path=customXml/item3.xml><?xml version="1.0" encoding="utf-8"?>
+<p:properties xmlns:p="http://schemas.microsoft.com/office/2006/metadata/properties" xmlns:xsi="http://www.w3.org/2001/XMLSchema-instance" xmlns:pc="http://schemas.microsoft.com/office/infopath/2007/PartnerControls">
+  <documentManagement>
+    <_ip_UnifiedCompliancePolicyUIAction xmlns="http://schemas.microsoft.com/sharepoint/v3" xsi:nil="true"/>
+    <Image xmlns="71af3243-3dd4-4a8d-8c0d-dd76da1f02a5">
+      <Url xsi:nil="true"/>
+      <Description xsi:nil="true"/>
+    </Image>
+    <Status xmlns="71af3243-3dd4-4a8d-8c0d-dd76da1f02a5">Not started</Status>
+    <_ip_UnifiedCompliancePolicyProperties xmlns="http://schemas.microsoft.com/sharepoint/v3" xsi:nil="true"/>
+    <ImageTagsTaxHTField xmlns="71af3243-3dd4-4a8d-8c0d-dd76da1f02a5">
+      <Terms xmlns="http://schemas.microsoft.com/office/infopath/2007/PartnerControls"/>
+    </ImageTagsTaxHTField>
+    <TaxCatchAll xmlns="230e9df3-be65-4c73-a93b-d1236ebd677e"/>
+    <MediaServiceKeyPoints xmlns="71af3243-3dd4-4a8d-8c0d-dd76da1f02a5" xsi:nil="true"/>
+  </documentManagement>
+</p:properties>
 </file>
 
-<file path=customXml/itemProps3.xml><?xml version="1.0" encoding="utf-8"?>
+<file path=customXml/itemProps1.xml><?xml version="1.0" encoding="utf-8"?>
 <ds:datastoreItem xmlns:ds="http://schemas.openxmlformats.org/officeDocument/2006/customXml" ds:itemID="{01E84A1C-2814-43A7-9448-348326113A45}">
   <ds:schemaRefs>
     <ds:schemaRef ds:uri="http://schemas.microsoft.com/office/2006/metadata/contentType"/>
@@ -27952,6 +28608,26 @@
 </ds:datastoreItem>
 </file>
 
+<file path=customXml/itemProps2.xml><?xml version="1.0" encoding="utf-8"?>
+<ds:datastoreItem xmlns:ds="http://schemas.openxmlformats.org/officeDocument/2006/customXml" ds:itemID="{2D446390-8521-40A2-A462-EA068123BED9}">
+  <ds:schemaRefs>
+    <ds:schemaRef ds:uri="http://schemas.microsoft.com/sharepoint/v3/contenttype/forms"/>
+  </ds:schemaRefs>
+</ds:datastoreItem>
+</file>
+
+<file path=customXml/itemProps3.xml><?xml version="1.0" encoding="utf-8"?>
+<ds:datastoreItem xmlns:ds="http://schemas.openxmlformats.org/officeDocument/2006/customXml" ds:itemID="{B5BA3906-9696-4247-AC0D-DD5C26B2A70A}">
+  <ds:schemaRefs>
+    <ds:schemaRef ds:uri="http://schemas.microsoft.com/office/2006/metadata/properties"/>
+    <ds:schemaRef ds:uri="http://schemas.microsoft.com/office/infopath/2007/PartnerControls"/>
+    <ds:schemaRef ds:uri="http://schemas.microsoft.com/sharepoint/v3"/>
+    <ds:schemaRef ds:uri="71af3243-3dd4-4a8d-8c0d-dd76da1f02a5"/>
+    <ds:schemaRef ds:uri="230e9df3-be65-4c73-a93b-d1236ebd677e"/>
+  </ds:schemaRefs>
+</ds:datastoreItem>
+</file>
+
 <file path=docMetadata/LabelInfo.xml><?xml version="1.0" encoding="utf-8"?>
 <clbl:labelList xmlns:clbl="http://schemas.microsoft.com/office/2020/mipLabelMetadata">
   <clbl:label id="{8bb759f6-5337-4dc5-b19b-e74b6da11f8f}" enabled="1" method="Standard" siteId="{41ff26dc-250f-4b13-8981-739be8610c21}" contentBits="2" removed="0"/>
